--- a/inflearn05/doc/5(심화) 접근제어 기능을 확장합니다.pptx
+++ b/inflearn05/doc/5(심화) 접근제어 기능을 확장합니다.pptx
@@ -640,7 +640,7 @@
                 <a:latin typeface="맑은 고딕" panose="020B0503020000020004" pitchFamily="50" charset="-127"/>
                 <a:ea typeface="맑은 고딕" panose="020B0503020000020004" pitchFamily="50" charset="-127"/>
               </a:rPr>
-              <a:t>2021년 7월 29일</a:t>
+              <a:t>2021년 8월 3일</a:t>
             </a:fld>
             <a:endParaRPr lang="ko-KR" altLang="en-US">
               <a:latin typeface="맑은 고딕" panose="020B0503020000020004" pitchFamily="50" charset="-127"/>
@@ -826,7 +826,7 @@
             <a:fld id="{BE16EC8A-0758-4FA9-BF4D-3119057076D1}" type="datetime4">
               <a:rPr lang="ko-KR" altLang="en-US" smtClean="0"/>
               <a:pPr/>
-              <a:t>2021년 7월 29일</a:t>
+              <a:t>2021년 8월 3일</a:t>
             </a:fld>
             <a:endParaRPr lang="ko-KR" altLang="en-US"/>
           </a:p>
@@ -3308,7 +3308,7 @@
           <a:p>
             <a:fld id="{2A5B65E4-62A8-4988-B07B-5D6D443B14ED}" type="datetime4">
               <a:rPr lang="ko-KR" altLang="en-US" smtClean="0"/>
-              <a:t>2021년 7월 29일</a:t>
+              <a:t>2021년 8월 3일</a:t>
             </a:fld>
             <a:endParaRPr lang="ko-KR" altLang="en-US"/>
           </a:p>
@@ -3564,7 +3564,7 @@
           <a:p>
             <a:fld id="{58EB6286-0DE7-4336-9826-977AD102FCF2}" type="datetime4">
               <a:rPr lang="ko-KR" altLang="en-US" noProof="0" smtClean="0"/>
-              <a:t>2021년 7월 29일</a:t>
+              <a:t>2021년 8월 3일</a:t>
             </a:fld>
             <a:endParaRPr lang="ko-KR" altLang="en-US" noProof="0"/>
           </a:p>
@@ -3760,7 +3760,7 @@
             <a:pPr rtl="0"/>
             <a:fld id="{6A5419DA-7218-42E5-A443-F000500111E1}" type="datetime4">
               <a:rPr lang="ko-KR" altLang="en-US" noProof="0" smtClean="0"/>
-              <a:t>2021년 7월 29일</a:t>
+              <a:t>2021년 8월 3일</a:t>
             </a:fld>
             <a:endParaRPr lang="ko-KR" altLang="en-US" noProof="0"/>
           </a:p>
@@ -6161,7 +6161,7 @@
           <a:p>
             <a:fld id="{E498C52F-1DF1-4226-BAB6-C1E2EE4C9D62}" type="datetime4">
               <a:rPr lang="ko-KR" altLang="en-US" noProof="0" smtClean="0"/>
-              <a:t>2021년 7월 29일</a:t>
+              <a:t>2021년 8월 3일</a:t>
             </a:fld>
             <a:endParaRPr lang="ko-KR" altLang="en-US" noProof="0"/>
           </a:p>
@@ -6680,7 +6680,7 @@
           <a:p>
             <a:fld id="{7B1E1FFC-F755-4558-8D3C-A157D1A01A8A}" type="datetime4">
               <a:rPr lang="ko-KR" altLang="en-US" noProof="0" smtClean="0"/>
-              <a:t>2021년 7월 29일</a:t>
+              <a:t>2021년 8월 3일</a:t>
             </a:fld>
             <a:endParaRPr lang="ko-KR" altLang="en-US" noProof="0"/>
           </a:p>
@@ -6824,7 +6824,7 @@
             <a:pPr rtl="0"/>
             <a:fld id="{DA2A33C0-A4A8-4C90-B6DA-35B8CF58C816}" type="datetime4">
               <a:rPr lang="ko-KR" altLang="en-US" noProof="0" smtClean="0"/>
-              <a:t>2021년 7월 29일</a:t>
+              <a:t>2021년 8월 3일</a:t>
             </a:fld>
             <a:endParaRPr lang="ko-KR" altLang="en-US" noProof="0"/>
           </a:p>
@@ -8772,7 +8772,7 @@
           <a:p>
             <a:fld id="{53CB1B8F-A14A-4BE4-A9B9-3B263F04145C}" type="datetime4">
               <a:rPr lang="ko-KR" altLang="en-US" noProof="0" smtClean="0"/>
-              <a:t>2021년 7월 29일</a:t>
+              <a:t>2021년 8월 3일</a:t>
             </a:fld>
             <a:endParaRPr lang="ko-KR" altLang="en-US" noProof="0"/>
           </a:p>
@@ -11069,7 +11069,7 @@
           <a:p>
             <a:fld id="{5B9196A3-957C-4113-A568-B6ED9AEA3D01}" type="datetime4">
               <a:rPr lang="ko-KR" altLang="en-US" noProof="0" smtClean="0"/>
-              <a:t>2021년 7월 29일</a:t>
+              <a:t>2021년 8월 3일</a:t>
             </a:fld>
             <a:endParaRPr lang="ko-KR" altLang="en-US" noProof="0"/>
           </a:p>
@@ -15386,7 +15386,7 @@
           <a:p>
             <a:fld id="{28BEB146-D335-4DA5-9826-58595BCDBE2E}" type="datetime4">
               <a:rPr lang="ko-KR" altLang="en-US" noProof="0" smtClean="0"/>
-              <a:t>2021년 7월 29일</a:t>
+              <a:t>2021년 8월 3일</a:t>
             </a:fld>
             <a:endParaRPr lang="ko-KR" altLang="en-US" noProof="0"/>
           </a:p>
@@ -15990,6 +15990,22 @@
               </a:rPr>
               <a:t>)</a:t>
             </a:r>
+          </a:p>
+          <a:p>
+            <a:pPr lvl="2"/>
+            <a:r>
+              <a:rPr lang="ko-KR" altLang="en-US"/>
+              <a:t>자신의 글만 수정</a:t>
+            </a:r>
+            <a:endParaRPr lang="en-US" altLang="ko-KR"/>
+          </a:p>
+          <a:p>
+            <a:pPr lvl="2"/>
+            <a:r>
+              <a:rPr lang="ko-KR" altLang="en-US"/>
+              <a:t>특정 아이피만 기능을 허용</a:t>
+            </a:r>
+            <a:endParaRPr lang="en-US" altLang="ko-KR"/>
           </a:p>
           <a:p>
             <a:pPr lvl="1"/>
